--- a/Presentations/04-RIDICS_Zaklady-XML-TEI-Standard-XML-TEI-Uvod.pptx
+++ b/Presentations/04-RIDICS_Zaklady-XML-TEI-Standard-XML-TEI-Uvod.pptx
@@ -262,7 +262,7 @@
           <a:p>
             <a:fld id="{693D0AAB-BC65-4D93-BE30-329DE1D7C511}" type="datetimeFigureOut">
               <a:rPr lang="cs-CZ" smtClean="0"/>
-              <a:t>06.05.2019</a:t>
+              <a:t>09.05.2019</a:t>
             </a:fld>
             <a:endParaRPr lang="cs-CZ"/>
           </a:p>
@@ -371,7 +371,7 @@
           <a:p>
             <a:fld id="{BF6F0682-C2CD-439F-BD5E-D51593A61157}" type="datetimeFigureOut">
               <a:rPr lang="cs-CZ" smtClean="0"/>
-              <a:t>06.05.2019</a:t>
+              <a:t>09.05.2019</a:t>
             </a:fld>
             <a:endParaRPr lang="cs-CZ"/>
           </a:p>
@@ -7623,7 +7623,15 @@
             <a:pPr lvl="2"/>
             <a:r>
               <a:rPr lang="cs-CZ" dirty="0"/>
-              <a:t>popisují digitalizovaný artefakt (název, uložení, rozměry), zařazení do kategorií, ediční zásady, bibliografie k prameni ap.</a:t>
+              <a:t>popisují digitalizovaný artefakt (název, uložení, rozměry) i samostatný </a:t>
+            </a:r>
+            <a:r>
+              <a:rPr lang="cs-CZ" dirty="0" err="1"/>
+              <a:t>digitalizát</a:t>
+            </a:r>
+            <a:r>
+              <a:rPr lang="cs-CZ" dirty="0"/>
+              <a:t>, obsahují zařazení do kategorií, ediční zásady, bibliografii k prameni ap.</a:t>
             </a:r>
           </a:p>
           <a:p>
@@ -7649,15 +7657,20 @@
             <a:pPr lvl="2"/>
             <a:r>
               <a:rPr lang="cs-CZ" dirty="0"/>
-              <a:t>samotný text historického pramene</a:t>
+              <a:t>samotný text pramene (buď původně tištěného, nebo rovnou vznikajícího v digitální podobě)</a:t>
             </a:r>
           </a:p>
           <a:p>
             <a:pPr lvl="2"/>
             <a:r>
               <a:rPr lang="cs-CZ" dirty="0"/>
-              <a:t>dělí se na tyto části</a:t>
-            </a:r>
+              <a:t>dělí </a:t>
+            </a:r>
+            <a:r>
+              <a:rPr lang="cs-CZ"/>
+              <a:t>se na</a:t>
+            </a:r>
+            <a:endParaRPr lang="cs-CZ" dirty="0"/>
           </a:p>
           <a:p>
             <a:pPr lvl="3"/>

--- a/Presentations/04-RIDICS_Zaklady-XML-TEI-Standard-XML-TEI-Uvod.pptx
+++ b/Presentations/04-RIDICS_Zaklady-XML-TEI-Standard-XML-TEI-Uvod.pptx
@@ -262,7 +262,7 @@
           <a:p>
             <a:fld id="{693D0AAB-BC65-4D93-BE30-329DE1D7C511}" type="datetimeFigureOut">
               <a:rPr lang="cs-CZ" smtClean="0"/>
-              <a:t>09.05.2019</a:t>
+              <a:t>12.05.2019</a:t>
             </a:fld>
             <a:endParaRPr lang="cs-CZ"/>
           </a:p>
@@ -371,7 +371,7 @@
           <a:p>
             <a:fld id="{BF6F0682-C2CD-439F-BD5E-D51593A61157}" type="datetimeFigureOut">
               <a:rPr lang="cs-CZ" smtClean="0"/>
-              <a:t>09.05.2019</a:t>
+              <a:t>12.05.2019</a:t>
             </a:fld>
             <a:endParaRPr lang="cs-CZ"/>
           </a:p>
@@ -5633,7 +5633,9 @@
         </p:nvSpPr>
         <p:spPr/>
         <p:txBody>
-          <a:bodyPr/>
+          <a:bodyPr>
+            <a:normAutofit fontScale="92500" lnSpcReduction="10000"/>
+          </a:bodyPr>
           <a:lstStyle/>
           <a:p>
             <a:r>
@@ -5730,11 +5732,22 @@
             </a:r>
             <a:r>
               <a:rPr lang="cs-CZ" dirty="0"/>
-              <a:t> </a:t>
-            </a:r>
-            <a:r>
-              <a:rPr lang="cs-CZ"/>
-              <a:t>(historie)</a:t>
+              <a:t> (historie)</a:t>
+            </a:r>
+          </a:p>
+          <a:p>
+            <a:r>
+              <a:rPr lang="cs-CZ" dirty="0"/>
+              <a:t>Dokumenty v XML TEI</a:t>
+            </a:r>
+          </a:p>
+          <a:p>
+            <a:pPr lvl="1"/>
+            <a:r>
+              <a:rPr lang="cs-CZ" dirty="0">
+                <a:hlinkClick r:id="rId8"/>
+              </a:rPr>
+              <a:t>https://wiki.tei-c.org/index.php/Samples_of_TEI_texts</a:t>
             </a:r>
             <a:endParaRPr lang="cs-CZ" dirty="0"/>
           </a:p>
